--- a/Presentation/NDOCH Pittsburgh Style.pptx
+++ b/Presentation/NDOCH Pittsburgh Style.pptx
@@ -5,7 +5,7 @@
     <p:sldMasterId id="2147483648" r:id="rId1"/>
   </p:sldMasterIdLst>
   <p:notesMasterIdLst>
-    <p:notesMasterId r:id="rId11"/>
+    <p:notesMasterId r:id="rId12"/>
   </p:notesMasterIdLst>
   <p:sldIdLst>
     <p:sldId id="256" r:id="rId2"/>
@@ -17,6 +17,7 @@
     <p:sldId id="262" r:id="rId8"/>
     <p:sldId id="263" r:id="rId9"/>
     <p:sldId id="264" r:id="rId10"/>
+    <p:sldId id="265" r:id="rId11"/>
   </p:sldIdLst>
   <p:sldSz cx="9144000" cy="6858000" type="screen4x3"/>
   <p:notesSz cx="6858000" cy="9144000"/>
@@ -3522,11 +3523,7 @@
           <a:p>
             <a:r>
               <a:rPr lang="en-US" dirty="0" smtClean="0"/>
-              <a:t>Pittsburgh </a:t>
-            </a:r>
-            <a:r>
-              <a:rPr lang="en-US" dirty="0" smtClean="0"/>
-              <a:t>Style</a:t>
+              <a:t>Pittsburgh Style</a:t>
             </a:r>
             <a:endParaRPr lang="en-US" dirty="0"/>
           </a:p>
@@ -3676,6 +3673,138 @@
 </p:sld>
 </file>
 
+<file path=ppt/slides/slide10.xml><?xml version="1.0" encoding="utf-8"?>
+<p:sld xmlns:a="http://schemas.openxmlformats.org/drawingml/2006/main" xmlns:r="http://schemas.openxmlformats.org/officeDocument/2006/relationships" xmlns:p="http://schemas.openxmlformats.org/presentationml/2006/main">
+  <p:cSld>
+    <p:spTree>
+      <p:nvGrpSpPr>
+        <p:cNvPr id="1" name=""/>
+        <p:cNvGrpSpPr/>
+        <p:nvPr/>
+      </p:nvGrpSpPr>
+      <p:grpSpPr>
+        <a:xfrm>
+          <a:off x="0" y="0"/>
+          <a:ext cx="0" cy="0"/>
+          <a:chOff x="0" y="0"/>
+          <a:chExt cx="0" cy="0"/>
+        </a:xfrm>
+      </p:grpSpPr>
+      <p:sp>
+        <p:nvSpPr>
+          <p:cNvPr id="2" name="Title 1"/>
+          <p:cNvSpPr>
+            <a:spLocks noGrp="1"/>
+          </p:cNvSpPr>
+          <p:nvPr>
+            <p:ph type="title"/>
+          </p:nvPr>
+        </p:nvSpPr>
+        <p:spPr/>
+        <p:txBody>
+          <a:bodyPr/>
+          <a:lstStyle/>
+          <a:p>
+            <a:r>
+              <a:rPr lang="en-US" smtClean="0"/>
+              <a:t>Remember</a:t>
+            </a:r>
+            <a:endParaRPr lang="en-US" dirty="0"/>
+          </a:p>
+        </p:txBody>
+      </p:sp>
+      <p:sp>
+        <p:nvSpPr>
+          <p:cNvPr id="4" name="Footer Placeholder 3"/>
+          <p:cNvSpPr>
+            <a:spLocks noGrp="1"/>
+          </p:cNvSpPr>
+          <p:nvPr>
+            <p:ph type="ftr" sz="quarter" idx="11"/>
+          </p:nvPr>
+        </p:nvSpPr>
+        <p:spPr/>
+        <p:txBody>
+          <a:bodyPr/>
+          <a:lstStyle/>
+          <a:p>
+            <a:r>
+              <a:rPr lang="en-US" smtClean="0"/>
+              <a:t>#hackforchange</a:t>
+            </a:r>
+            <a:endParaRPr lang="en-US"/>
+          </a:p>
+        </p:txBody>
+      </p:sp>
+      <p:pic>
+        <p:nvPicPr>
+          <p:cNvPr id="1026" name="Picture 2"/>
+          <p:cNvPicPr>
+            <a:picLocks noGrp="1" noChangeAspect="1" noChangeArrowheads="1"/>
+          </p:cNvPicPr>
+          <p:nvPr>
+            <p:ph idx="1"/>
+          </p:nvPr>
+        </p:nvPicPr>
+        <p:blipFill>
+          <a:blip r:embed="rId2">
+            <a:extLst>
+              <a:ext uri="{28A0092B-C50C-407E-A947-70E740481C1C}">
+                <a14:useLocalDpi xmlns:a14="http://schemas.microsoft.com/office/drawing/2010/main" val="0"/>
+              </a:ext>
+            </a:extLst>
+          </a:blip>
+          <a:srcRect/>
+          <a:stretch>
+            <a:fillRect/>
+          </a:stretch>
+        </p:blipFill>
+        <p:spPr bwMode="auto">
+          <a:xfrm>
+            <a:off x="558010" y="1752600"/>
+            <a:ext cx="8115533" cy="4267200"/>
+          </a:xfrm>
+          <a:prstGeom prst="rect">
+            <a:avLst/>
+          </a:prstGeom>
+          <a:noFill/>
+          <a:ln>
+            <a:noFill/>
+          </a:ln>
+          <a:extLst>
+            <a:ext uri="{909E8E84-426E-40DD-AFC4-6F175D3DCCD1}">
+              <a14:hiddenFill xmlns:a14="http://schemas.microsoft.com/office/drawing/2010/main">
+                <a:solidFill>
+                  <a:schemeClr val="accent1"/>
+                </a:solidFill>
+              </a14:hiddenFill>
+            </a:ext>
+            <a:ext uri="{91240B29-F687-4F45-9708-019B960494DF}">
+              <a14:hiddenLine xmlns:a14="http://schemas.microsoft.com/office/drawing/2010/main" w="9525">
+                <a:solidFill>
+                  <a:schemeClr val="tx1"/>
+                </a:solidFill>
+                <a:miter lim="800000"/>
+                <a:headEnd/>
+                <a:tailEnd/>
+              </a14:hiddenLine>
+            </a:ext>
+          </a:extLst>
+        </p:spPr>
+      </p:pic>
+    </p:spTree>
+    <p:extLst>
+      <p:ext uri="{BB962C8B-B14F-4D97-AF65-F5344CB8AC3E}">
+        <p14:creationId xmlns:p14="http://schemas.microsoft.com/office/powerpoint/2010/main" val="3806797677"/>
+      </p:ext>
+    </p:extLst>
+  </p:cSld>
+  <p:clrMapOvr>
+    <a:masterClrMapping/>
+  </p:clrMapOvr>
+</p:sld>
+</file>
+
 <file path=ppt/slides/slide2.xml><?xml version="1.0" encoding="utf-8"?>
 <p:sld xmlns:a="http://schemas.openxmlformats.org/drawingml/2006/main" xmlns:r="http://schemas.openxmlformats.org/officeDocument/2006/relationships" xmlns:p="http://schemas.openxmlformats.org/presentationml/2006/main">
   <p:cSld>
@@ -5158,7 +5287,6 @@
               <a:rPr lang="en-US" dirty="0" smtClean="0"/>
               <a:t>Outlets</a:t>
             </a:r>
-            <a:endParaRPr lang="en-US" dirty="0" smtClean="0"/>
           </a:p>
           <a:p>
             <a:r>
@@ -5403,16 +5531,11 @@
               <a:rPr lang="en-US" dirty="0" smtClean="0"/>
               <a:t>slack</a:t>
             </a:r>
-            <a:endParaRPr lang="en-US" dirty="0" smtClean="0"/>
           </a:p>
           <a:p>
             <a:r>
               <a:rPr lang="en-US" dirty="0" smtClean="0"/>
-              <a:t>Morning </a:t>
-            </a:r>
-            <a:r>
-              <a:rPr lang="en-US" dirty="0" smtClean="0"/>
-              <a:t>– Meet your map by Christian </a:t>
+              <a:t>Morning – Meet your map by Christian </a:t>
             </a:r>
             <a:r>
               <a:rPr lang="en-US" dirty="0" err="1" smtClean="0"/>
@@ -5435,11 +5558,7 @@
           <a:p>
             <a:r>
               <a:rPr lang="en-US" dirty="0" smtClean="0"/>
-              <a:t>Chance </a:t>
-            </a:r>
-            <a:r>
-              <a:rPr lang="en-US" dirty="0" smtClean="0"/>
-              <a:t>to win a gift card (you need to be here)</a:t>
+              <a:t>Chance to win a gift card (you need to be here)</a:t>
             </a:r>
             <a:endParaRPr lang="en-US" dirty="0"/>
           </a:p>

--- a/Presentation/NDOCH Pittsburgh Style.pptx
+++ b/Presentation/NDOCH Pittsburgh Style.pptx
@@ -5,7 +5,7 @@
     <p:sldMasterId id="2147483648" r:id="rId1"/>
   </p:sldMasterIdLst>
   <p:notesMasterIdLst>
-    <p:notesMasterId r:id="rId12"/>
+    <p:notesMasterId r:id="rId11"/>
   </p:notesMasterIdLst>
   <p:sldIdLst>
     <p:sldId id="256" r:id="rId2"/>
@@ -17,7 +17,6 @@
     <p:sldId id="262" r:id="rId8"/>
     <p:sldId id="263" r:id="rId9"/>
     <p:sldId id="264" r:id="rId10"/>
-    <p:sldId id="265" r:id="rId11"/>
   </p:sldIdLst>
   <p:sldSz cx="9144000" cy="6858000" type="screen4x3"/>
   <p:notesSz cx="6858000" cy="9144000"/>
@@ -201,7 +200,7 @@
           <a:p>
             <a:fld id="{4B76FE8C-F524-4DD2-9948-7EB69A3AAA96}" type="datetimeFigureOut">
               <a:rPr lang="en-US" smtClean="0"/>
-              <a:t>6/3/2015</a:t>
+              <a:t>6/4/2015</a:t>
             </a:fld>
             <a:endParaRPr lang="en-US"/>
           </a:p>
@@ -650,7 +649,7 @@
           <a:p>
             <a:fld id="{F958081D-5835-4DF6-B779-F8EB528502AA}" type="datetime1">
               <a:rPr lang="en-US" smtClean="0"/>
-              <a:t>6/3/2015</a:t>
+              <a:t>6/4/2015</a:t>
             </a:fld>
             <a:endParaRPr lang="en-US"/>
           </a:p>
@@ -824,7 +823,7 @@
           <a:p>
             <a:fld id="{03F01108-3E72-4897-895C-E80A5614D145}" type="datetime1">
               <a:rPr lang="en-US" smtClean="0"/>
-              <a:t>6/3/2015</a:t>
+              <a:t>6/4/2015</a:t>
             </a:fld>
             <a:endParaRPr lang="en-US"/>
           </a:p>
@@ -1008,7 +1007,7 @@
           <a:p>
             <a:fld id="{86175655-4D42-4E6E-BC4B-ABFB0DAA9BDC}" type="datetime1">
               <a:rPr lang="en-US" smtClean="0"/>
-              <a:t>6/3/2015</a:t>
+              <a:t>6/4/2015</a:t>
             </a:fld>
             <a:endParaRPr lang="en-US"/>
           </a:p>
@@ -1182,7 +1181,7 @@
           <a:p>
             <a:fld id="{D5574C20-C218-484F-9F42-79DC305487ED}" type="datetime1">
               <a:rPr lang="en-US" smtClean="0"/>
-              <a:t>6/3/2015</a:t>
+              <a:t>6/4/2015</a:t>
             </a:fld>
             <a:endParaRPr lang="en-US"/>
           </a:p>
@@ -1432,7 +1431,7 @@
           <a:p>
             <a:fld id="{155479AC-14D6-46F3-ABAB-387793D5CEA1}" type="datetime1">
               <a:rPr lang="en-US" smtClean="0"/>
-              <a:t>6/3/2015</a:t>
+              <a:t>6/4/2015</a:t>
             </a:fld>
             <a:endParaRPr lang="en-US"/>
           </a:p>
@@ -1724,7 +1723,7 @@
           <a:p>
             <a:fld id="{9DCDC235-8A78-4264-83DD-4A68958CDEA4}" type="datetime1">
               <a:rPr lang="en-US" smtClean="0"/>
-              <a:t>6/3/2015</a:t>
+              <a:t>6/4/2015</a:t>
             </a:fld>
             <a:endParaRPr lang="en-US"/>
           </a:p>
@@ -2150,7 +2149,7 @@
           <a:p>
             <a:fld id="{F40D19F0-EAB5-40D9-97FE-B8040D8BB7C0}" type="datetime1">
               <a:rPr lang="en-US" smtClean="0"/>
-              <a:t>6/3/2015</a:t>
+              <a:t>6/4/2015</a:t>
             </a:fld>
             <a:endParaRPr lang="en-US"/>
           </a:p>
@@ -2272,7 +2271,7 @@
           <a:p>
             <a:fld id="{7C746367-DCBD-42F5-8BBB-A2AFFBC3A8F8}" type="datetime1">
               <a:rPr lang="en-US" smtClean="0"/>
-              <a:t>6/3/2015</a:t>
+              <a:t>6/4/2015</a:t>
             </a:fld>
             <a:endParaRPr lang="en-US"/>
           </a:p>
@@ -2371,7 +2370,7 @@
           <a:p>
             <a:fld id="{49E1737C-C695-4882-BFFD-6FDEC6611AE3}" type="datetime1">
               <a:rPr lang="en-US" smtClean="0"/>
-              <a:t>6/3/2015</a:t>
+              <a:t>6/4/2015</a:t>
             </a:fld>
             <a:endParaRPr lang="en-US"/>
           </a:p>
@@ -2652,7 +2651,7 @@
           <a:p>
             <a:fld id="{CB8DAB60-FD53-475D-A20C-8A3950C2B229}" type="datetime1">
               <a:rPr lang="en-US" smtClean="0"/>
-              <a:t>6/3/2015</a:t>
+              <a:t>6/4/2015</a:t>
             </a:fld>
             <a:endParaRPr lang="en-US"/>
           </a:p>
@@ -2909,7 +2908,7 @@
           <a:p>
             <a:fld id="{2EEE667B-9083-4970-AE63-F85FA4BEDBC7}" type="datetime1">
               <a:rPr lang="en-US" smtClean="0"/>
-              <a:t>6/3/2015</a:t>
+              <a:t>6/4/2015</a:t>
             </a:fld>
             <a:endParaRPr lang="en-US"/>
           </a:p>
@@ -3126,7 +3125,7 @@
           <a:p>
             <a:fld id="{4DC85DB9-E985-4942-85A7-3D0BF4EF242F}" type="datetime1">
               <a:rPr lang="en-US" smtClean="0"/>
-              <a:t>6/3/2015</a:t>
+              <a:t>6/4/2015</a:t>
             </a:fld>
             <a:endParaRPr lang="en-US"/>
           </a:p>
@@ -3673,138 +3672,6 @@
 </p:sld>
 </file>
 
-<file path=ppt/slides/slide10.xml><?xml version="1.0" encoding="utf-8"?>
-<p:sld xmlns:a="http://schemas.openxmlformats.org/drawingml/2006/main" xmlns:r="http://schemas.openxmlformats.org/officeDocument/2006/relationships" xmlns:p="http://schemas.openxmlformats.org/presentationml/2006/main">
-  <p:cSld>
-    <p:spTree>
-      <p:nvGrpSpPr>
-        <p:cNvPr id="1" name=""/>
-        <p:cNvGrpSpPr/>
-        <p:nvPr/>
-      </p:nvGrpSpPr>
-      <p:grpSpPr>
-        <a:xfrm>
-          <a:off x="0" y="0"/>
-          <a:ext cx="0" cy="0"/>
-          <a:chOff x="0" y="0"/>
-          <a:chExt cx="0" cy="0"/>
-        </a:xfrm>
-      </p:grpSpPr>
-      <p:sp>
-        <p:nvSpPr>
-          <p:cNvPr id="2" name="Title 1"/>
-          <p:cNvSpPr>
-            <a:spLocks noGrp="1"/>
-          </p:cNvSpPr>
-          <p:nvPr>
-            <p:ph type="title"/>
-          </p:nvPr>
-        </p:nvSpPr>
-        <p:spPr/>
-        <p:txBody>
-          <a:bodyPr/>
-          <a:lstStyle/>
-          <a:p>
-            <a:r>
-              <a:rPr lang="en-US" smtClean="0"/>
-              <a:t>Remember</a:t>
-            </a:r>
-            <a:endParaRPr lang="en-US" dirty="0"/>
-          </a:p>
-        </p:txBody>
-      </p:sp>
-      <p:sp>
-        <p:nvSpPr>
-          <p:cNvPr id="4" name="Footer Placeholder 3"/>
-          <p:cNvSpPr>
-            <a:spLocks noGrp="1"/>
-          </p:cNvSpPr>
-          <p:nvPr>
-            <p:ph type="ftr" sz="quarter" idx="11"/>
-          </p:nvPr>
-        </p:nvSpPr>
-        <p:spPr/>
-        <p:txBody>
-          <a:bodyPr/>
-          <a:lstStyle/>
-          <a:p>
-            <a:r>
-              <a:rPr lang="en-US" smtClean="0"/>
-              <a:t>#hackforchange</a:t>
-            </a:r>
-            <a:endParaRPr lang="en-US"/>
-          </a:p>
-        </p:txBody>
-      </p:sp>
-      <p:pic>
-        <p:nvPicPr>
-          <p:cNvPr id="1026" name="Picture 2"/>
-          <p:cNvPicPr>
-            <a:picLocks noGrp="1" noChangeAspect="1" noChangeArrowheads="1"/>
-          </p:cNvPicPr>
-          <p:nvPr>
-            <p:ph idx="1"/>
-          </p:nvPr>
-        </p:nvPicPr>
-        <p:blipFill>
-          <a:blip r:embed="rId2">
-            <a:extLst>
-              <a:ext uri="{28A0092B-C50C-407E-A947-70E740481C1C}">
-                <a14:useLocalDpi xmlns:a14="http://schemas.microsoft.com/office/drawing/2010/main" val="0"/>
-              </a:ext>
-            </a:extLst>
-          </a:blip>
-          <a:srcRect/>
-          <a:stretch>
-            <a:fillRect/>
-          </a:stretch>
-        </p:blipFill>
-        <p:spPr bwMode="auto">
-          <a:xfrm>
-            <a:off x="558010" y="1752600"/>
-            <a:ext cx="8115533" cy="4267200"/>
-          </a:xfrm>
-          <a:prstGeom prst="rect">
-            <a:avLst/>
-          </a:prstGeom>
-          <a:noFill/>
-          <a:ln>
-            <a:noFill/>
-          </a:ln>
-          <a:extLst>
-            <a:ext uri="{909E8E84-426E-40DD-AFC4-6F175D3DCCD1}">
-              <a14:hiddenFill xmlns:a14="http://schemas.microsoft.com/office/drawing/2010/main">
-                <a:solidFill>
-                  <a:schemeClr val="accent1"/>
-                </a:solidFill>
-              </a14:hiddenFill>
-            </a:ext>
-            <a:ext uri="{91240B29-F687-4F45-9708-019B960494DF}">
-              <a14:hiddenLine xmlns:a14="http://schemas.microsoft.com/office/drawing/2010/main" w="9525">
-                <a:solidFill>
-                  <a:schemeClr val="tx1"/>
-                </a:solidFill>
-                <a:miter lim="800000"/>
-                <a:headEnd/>
-                <a:tailEnd/>
-              </a14:hiddenLine>
-            </a:ext>
-          </a:extLst>
-        </p:spPr>
-      </p:pic>
-    </p:spTree>
-    <p:extLst>
-      <p:ext uri="{BB962C8B-B14F-4D97-AF65-F5344CB8AC3E}">
-        <p14:creationId xmlns:p14="http://schemas.microsoft.com/office/powerpoint/2010/main" val="3806797677"/>
-      </p:ext>
-    </p:extLst>
-  </p:cSld>
-  <p:clrMapOvr>
-    <a:masterClrMapping/>
-  </p:clrMapOvr>
-</p:sld>
-</file>
-
 <file path=ppt/slides/slide2.xml><?xml version="1.0" encoding="utf-8"?>
 <p:sld xmlns:a="http://schemas.openxmlformats.org/drawingml/2006/main" xmlns:r="http://schemas.openxmlformats.org/officeDocument/2006/relationships" xmlns:p="http://schemas.openxmlformats.org/presentationml/2006/main">
   <p:cSld>
@@ -5469,7 +5336,7 @@
         <p:spPr/>
         <p:txBody>
           <a:bodyPr>
-            <a:normAutofit fontScale="92500" lnSpcReduction="10000"/>
+            <a:normAutofit fontScale="92500" lnSpcReduction="20000"/>
           </a:bodyPr>
           <a:lstStyle/>
           <a:p>
@@ -5558,7 +5425,19 @@
           <a:p>
             <a:r>
               <a:rPr lang="en-US" dirty="0" smtClean="0"/>
-              <a:t>Chance to win a gift card (you need to be here)</a:t>
+              <a:t>Chance to win a </a:t>
+            </a:r>
+            <a:r>
+              <a:rPr lang="en-US" dirty="0" smtClean="0"/>
+              <a:t>Buffalo </a:t>
+            </a:r>
+            <a:r>
+              <a:rPr lang="en-US" smtClean="0"/>
+              <a:t>Wild Wings gift </a:t>
+            </a:r>
+            <a:r>
+              <a:rPr lang="en-US" dirty="0" smtClean="0"/>
+              <a:t>card (you need to be here)</a:t>
             </a:r>
             <a:endParaRPr lang="en-US" dirty="0"/>
           </a:p>
